--- a/2012_1_5__client_side_mvx_frameworks/2 - Comparison.pptx
+++ b/2012_1_5__client_side_mvx_frameworks/2 - Comparison.pptx
@@ -10,11 +10,15 @@
     <p:sldId id="261" r:id="rId4"/>
     <p:sldId id="263" r:id="rId5"/>
     <p:sldId id="264" r:id="rId6"/>
-    <p:sldId id="262" r:id="rId7"/>
-    <p:sldId id="265" r:id="rId8"/>
-    <p:sldId id="268" r:id="rId9"/>
-    <p:sldId id="266" r:id="rId10"/>
-    <p:sldId id="267" r:id="rId11"/>
+    <p:sldId id="270" r:id="rId7"/>
+    <p:sldId id="269" r:id="rId8"/>
+    <p:sldId id="272" r:id="rId9"/>
+    <p:sldId id="271" r:id="rId10"/>
+    <p:sldId id="265" r:id="rId11"/>
+    <p:sldId id="273" r:id="rId12"/>
+    <p:sldId id="268" r:id="rId13"/>
+    <p:sldId id="266" r:id="rId14"/>
+    <p:sldId id="267" r:id="rId15"/>
   </p:sldIdLst>
   <p:sldSz cx="9144000" cy="6858000" type="screen4x3"/>
   <p:notesSz cx="6858000" cy="9144000"/>
@@ -224,7 +228,7 @@
               <c:strCache>
                 <c:ptCount val="1"/>
                 <c:pt idx="0">
-                  <c:v>Sproutcore</c:v>
+                  <c:v>Ember</c:v>
                 </c:pt>
               </c:strCache>
             </c:strRef>
@@ -341,11 +345,11 @@
           <c:showBubbleSize val="0"/>
         </c:dLbls>
         <c:gapWidth val="150"/>
-        <c:axId val="106948096"/>
-        <c:axId val="106949632"/>
+        <c:axId val="108230144"/>
+        <c:axId val="108231680"/>
       </c:barChart>
       <c:catAx>
-        <c:axId val="106948096"/>
+        <c:axId val="108230144"/>
         <c:scaling>
           <c:orientation val="minMax"/>
         </c:scaling>
@@ -354,7 +358,7 @@
         <c:majorTickMark val="out"/>
         <c:minorTickMark val="none"/>
         <c:tickLblPos val="nextTo"/>
-        <c:crossAx val="106949632"/>
+        <c:crossAx val="108231680"/>
         <c:crosses val="autoZero"/>
         <c:auto val="1"/>
         <c:lblAlgn val="ctr"/>
@@ -362,7 +366,7 @@
         <c:noMultiLvlLbl val="0"/>
       </c:catAx>
       <c:valAx>
-        <c:axId val="106949632"/>
+        <c:axId val="108231680"/>
         <c:scaling>
           <c:orientation val="minMax"/>
         </c:scaling>
@@ -373,7 +377,7 @@
         <c:majorTickMark val="out"/>
         <c:minorTickMark val="none"/>
         <c:tickLblPos val="nextTo"/>
-        <c:crossAx val="106948096"/>
+        <c:crossAx val="108230144"/>
         <c:crosses val="autoZero"/>
         <c:crossBetween val="between"/>
       </c:valAx>
@@ -457,7 +461,7 @@
                 <c:formatCode>General</c:formatCode>
                 <c:ptCount val="1"/>
                 <c:pt idx="0">
-                  <c:v>1</c:v>
+                  <c:v>2</c:v>
                 </c:pt>
               </c:numCache>
             </c:numRef>
@@ -496,7 +500,7 @@
                 <c:formatCode>General</c:formatCode>
                 <c:ptCount val="1"/>
                 <c:pt idx="0">
-                  <c:v>1</c:v>
+                  <c:v>2</c:v>
                 </c:pt>
               </c:numCache>
             </c:numRef>
@@ -511,7 +515,7 @@
               <c:strCache>
                 <c:ptCount val="1"/>
                 <c:pt idx="0">
-                  <c:v>Sproutcore</c:v>
+                  <c:v>Ember</c:v>
                 </c:pt>
               </c:strCache>
             </c:strRef>
@@ -535,7 +539,7 @@
                 <c:formatCode>General</c:formatCode>
                 <c:ptCount val="1"/>
                 <c:pt idx="0">
-                  <c:v>2</c:v>
+                  <c:v>3</c:v>
                 </c:pt>
               </c:numCache>
             </c:numRef>
@@ -574,7 +578,7 @@
                 <c:formatCode>General</c:formatCode>
                 <c:ptCount val="1"/>
                 <c:pt idx="0">
-                  <c:v>3</c:v>
+                  <c:v>4</c:v>
                 </c:pt>
               </c:numCache>
             </c:numRef>
@@ -628,11 +632,11 @@
           <c:showBubbleSize val="0"/>
         </c:dLbls>
         <c:gapWidth val="150"/>
-        <c:axId val="107342080"/>
-        <c:axId val="107343872"/>
+        <c:axId val="108363776"/>
+        <c:axId val="108365312"/>
       </c:barChart>
       <c:catAx>
-        <c:axId val="107342080"/>
+        <c:axId val="108363776"/>
         <c:scaling>
           <c:orientation val="minMax"/>
         </c:scaling>
@@ -641,7 +645,7 @@
         <c:majorTickMark val="out"/>
         <c:minorTickMark val="none"/>
         <c:tickLblPos val="nextTo"/>
-        <c:crossAx val="107343872"/>
+        <c:crossAx val="108365312"/>
         <c:crosses val="autoZero"/>
         <c:auto val="1"/>
         <c:lblAlgn val="ctr"/>
@@ -649,7 +653,7 @@
         <c:noMultiLvlLbl val="0"/>
       </c:catAx>
       <c:valAx>
-        <c:axId val="107343872"/>
+        <c:axId val="108365312"/>
         <c:scaling>
           <c:orientation val="minMax"/>
         </c:scaling>
@@ -660,7 +664,7 @@
         <c:majorTickMark val="out"/>
         <c:minorTickMark val="none"/>
         <c:tickLblPos val="nextTo"/>
-        <c:crossAx val="107342080"/>
+        <c:crossAx val="108363776"/>
         <c:crosses val="autoZero"/>
         <c:crossBetween val="between"/>
       </c:valAx>
@@ -872,7 +876,7 @@
             <a:fld id="{1D8BD707-D9CF-40AE-B4C6-C98DA3205C09}" type="datetimeFigureOut">
               <a:rPr lang="en-US" smtClean="0"/>
               <a:pPr/>
-              <a:t>1/3/2012</a:t>
+              <a:t>1/5/2012</a:t>
             </a:fld>
             <a:endParaRPr lang="en-US"/>
           </a:p>
@@ -1039,7 +1043,7 @@
             <a:fld id="{1D8BD707-D9CF-40AE-B4C6-C98DA3205C09}" type="datetimeFigureOut">
               <a:rPr lang="en-US" smtClean="0"/>
               <a:pPr/>
-              <a:t>1/3/2012</a:t>
+              <a:t>1/5/2012</a:t>
             </a:fld>
             <a:endParaRPr lang="en-US"/>
           </a:p>
@@ -1216,7 +1220,7 @@
             <a:fld id="{1D8BD707-D9CF-40AE-B4C6-C98DA3205C09}" type="datetimeFigureOut">
               <a:rPr lang="en-US" smtClean="0"/>
               <a:pPr/>
-              <a:t>1/3/2012</a:t>
+              <a:t>1/5/2012</a:t>
             </a:fld>
             <a:endParaRPr lang="en-US"/>
           </a:p>
@@ -1383,7 +1387,7 @@
             <a:fld id="{1D8BD707-D9CF-40AE-B4C6-C98DA3205C09}" type="datetimeFigureOut">
               <a:rPr lang="en-US" smtClean="0"/>
               <a:pPr/>
-              <a:t>1/3/2012</a:t>
+              <a:t>1/5/2012</a:t>
             </a:fld>
             <a:endParaRPr lang="en-US"/>
           </a:p>
@@ -1626,7 +1630,7 @@
             <a:fld id="{1D8BD707-D9CF-40AE-B4C6-C98DA3205C09}" type="datetimeFigureOut">
               <a:rPr lang="en-US" smtClean="0"/>
               <a:pPr/>
-              <a:t>1/3/2012</a:t>
+              <a:t>1/5/2012</a:t>
             </a:fld>
             <a:endParaRPr lang="en-US"/>
           </a:p>
@@ -1911,7 +1915,7 @@
             <a:fld id="{1D8BD707-D9CF-40AE-B4C6-C98DA3205C09}" type="datetimeFigureOut">
               <a:rPr lang="en-US" smtClean="0"/>
               <a:pPr/>
-              <a:t>1/3/2012</a:t>
+              <a:t>1/5/2012</a:t>
             </a:fld>
             <a:endParaRPr lang="en-US"/>
           </a:p>
@@ -2330,7 +2334,7 @@
             <a:fld id="{1D8BD707-D9CF-40AE-B4C6-C98DA3205C09}" type="datetimeFigureOut">
               <a:rPr lang="en-US" smtClean="0"/>
               <a:pPr/>
-              <a:t>1/3/2012</a:t>
+              <a:t>1/5/2012</a:t>
             </a:fld>
             <a:endParaRPr lang="en-US"/>
           </a:p>
@@ -2445,7 +2449,7 @@
             <a:fld id="{1D8BD707-D9CF-40AE-B4C6-C98DA3205C09}" type="datetimeFigureOut">
               <a:rPr lang="en-US" smtClean="0"/>
               <a:pPr/>
-              <a:t>1/3/2012</a:t>
+              <a:t>1/5/2012</a:t>
             </a:fld>
             <a:endParaRPr lang="en-US"/>
           </a:p>
@@ -2537,7 +2541,7 @@
             <a:fld id="{1D8BD707-D9CF-40AE-B4C6-C98DA3205C09}" type="datetimeFigureOut">
               <a:rPr lang="en-US" smtClean="0"/>
               <a:pPr/>
-              <a:t>1/3/2012</a:t>
+              <a:t>1/5/2012</a:t>
             </a:fld>
             <a:endParaRPr lang="en-US"/>
           </a:p>
@@ -2811,7 +2815,7 @@
             <a:fld id="{1D8BD707-D9CF-40AE-B4C6-C98DA3205C09}" type="datetimeFigureOut">
               <a:rPr lang="en-US" smtClean="0"/>
               <a:pPr/>
-              <a:t>1/3/2012</a:t>
+              <a:t>1/5/2012</a:t>
             </a:fld>
             <a:endParaRPr lang="en-US"/>
           </a:p>
@@ -3061,7 +3065,7 @@
             <a:fld id="{1D8BD707-D9CF-40AE-B4C6-C98DA3205C09}" type="datetimeFigureOut">
               <a:rPr lang="en-US" smtClean="0"/>
               <a:pPr/>
-              <a:t>1/3/2012</a:t>
+              <a:t>1/5/2012</a:t>
             </a:fld>
             <a:endParaRPr lang="en-US"/>
           </a:p>
@@ -3280,7 +3284,7 @@
             <a:fld id="{1D8BD707-D9CF-40AE-B4C6-C98DA3205C09}" type="datetimeFigureOut">
               <a:rPr lang="en-US" smtClean="0"/>
               <a:pPr/>
-              <a:t>1/3/2012</a:t>
+              <a:t>1/5/2012</a:t>
             </a:fld>
             <a:endParaRPr lang="en-US"/>
           </a:p>
@@ -4377,13 +4381,285 @@
             <p:ph type="title"/>
           </p:nvPr>
         </p:nvSpPr>
-        <p:spPr/>
+        <p:spPr>
+          <a:xfrm>
+            <a:off x="457200" y="1828800"/>
+            <a:ext cx="8229600" cy="1143000"/>
+          </a:xfrm>
+        </p:spPr>
         <p:txBody>
           <a:bodyPr/>
           <a:lstStyle/>
           <a:p>
             <a:r>
               <a:rPr lang="en-US" dirty="0" smtClean="0"/>
+              <a:t>Try one or two (or more)</a:t>
+            </a:r>
+            <a:endParaRPr lang="en-US" dirty="0"/>
+          </a:p>
+        </p:txBody>
+      </p:sp>
+    </p:spTree>
+    <p:extLst>
+      <p:ext uri="{BB962C8B-B14F-4D97-AF65-F5344CB8AC3E}">
+        <p14:creationId xmlns:p14="http://schemas.microsoft.com/office/powerpoint/2010/main" val="412549066"/>
+      </p:ext>
+    </p:extLst>
+  </p:cSld>
+  <p:clrMapOvr>
+    <a:masterClrMapping/>
+  </p:clrMapOvr>
+  <p:timing>
+    <p:tnLst>
+      <p:par>
+        <p:cTn id="1" dur="indefinite" restart="never" nodeType="tmRoot"/>
+      </p:par>
+    </p:tnLst>
+  </p:timing>
+</p:sld>
+</file>
+
+<file path=ppt/slides/slide11.xml><?xml version="1.0" encoding="utf-8"?>
+<p:sld xmlns:a="http://schemas.openxmlformats.org/drawingml/2006/main" xmlns:r="http://schemas.openxmlformats.org/officeDocument/2006/relationships" xmlns:p="http://schemas.openxmlformats.org/presentationml/2006/main">
+  <p:cSld>
+    <p:spTree>
+      <p:nvGrpSpPr>
+        <p:cNvPr id="1" name=""/>
+        <p:cNvGrpSpPr/>
+        <p:nvPr/>
+      </p:nvGrpSpPr>
+      <p:grpSpPr>
+        <a:xfrm>
+          <a:off x="0" y="0"/>
+          <a:ext cx="0" cy="0"/>
+          <a:chOff x="0" y="0"/>
+          <a:chExt cx="0" cy="0"/>
+        </a:xfrm>
+      </p:grpSpPr>
+      <p:sp>
+        <p:nvSpPr>
+          <p:cNvPr id="2" name="Title 1"/>
+          <p:cNvSpPr>
+            <a:spLocks noGrp="1"/>
+          </p:cNvSpPr>
+          <p:nvPr>
+            <p:ph type="title"/>
+          </p:nvPr>
+        </p:nvSpPr>
+        <p:spPr>
+          <a:xfrm>
+            <a:off x="457200" y="1828800"/>
+            <a:ext cx="8229600" cy="1143000"/>
+          </a:xfrm>
+        </p:spPr>
+        <p:txBody>
+          <a:bodyPr/>
+          <a:lstStyle/>
+          <a:p>
+            <a:r>
+              <a:rPr lang="en-US" dirty="0" smtClean="0"/>
+              <a:t>Build </a:t>
+            </a:r>
+            <a:r>
+              <a:rPr lang="en-US" smtClean="0"/>
+              <a:t>something non-trivial</a:t>
+            </a:r>
+            <a:endParaRPr lang="en-US" dirty="0"/>
+          </a:p>
+        </p:txBody>
+      </p:sp>
+    </p:spTree>
+    <p:extLst>
+      <p:ext uri="{BB962C8B-B14F-4D97-AF65-F5344CB8AC3E}">
+        <p14:creationId xmlns:p14="http://schemas.microsoft.com/office/powerpoint/2010/main" val="1925713620"/>
+      </p:ext>
+    </p:extLst>
+  </p:cSld>
+  <p:clrMapOvr>
+    <a:masterClrMapping/>
+  </p:clrMapOvr>
+  <p:timing>
+    <p:tnLst>
+      <p:par>
+        <p:cTn id="1" dur="indefinite" restart="never" nodeType="tmRoot"/>
+      </p:par>
+    </p:tnLst>
+  </p:timing>
+</p:sld>
+</file>
+
+<file path=ppt/slides/slide12.xml><?xml version="1.0" encoding="utf-8"?>
+<p:sld xmlns:a="http://schemas.openxmlformats.org/drawingml/2006/main" xmlns:r="http://schemas.openxmlformats.org/officeDocument/2006/relationships" xmlns:p="http://schemas.openxmlformats.org/presentationml/2006/main">
+  <p:cSld>
+    <p:spTree>
+      <p:nvGrpSpPr>
+        <p:cNvPr id="1" name=""/>
+        <p:cNvGrpSpPr/>
+        <p:nvPr/>
+      </p:nvGrpSpPr>
+      <p:grpSpPr>
+        <a:xfrm>
+          <a:off x="0" y="0"/>
+          <a:ext cx="0" cy="0"/>
+          <a:chOff x="0" y="0"/>
+          <a:chExt cx="0" cy="0"/>
+        </a:xfrm>
+      </p:grpSpPr>
+      <p:sp>
+        <p:nvSpPr>
+          <p:cNvPr id="2" name="Title 1"/>
+          <p:cNvSpPr>
+            <a:spLocks noGrp="1"/>
+          </p:cNvSpPr>
+          <p:nvPr>
+            <p:ph type="title"/>
+          </p:nvPr>
+        </p:nvSpPr>
+        <p:spPr>
+          <a:xfrm>
+            <a:off x="457200" y="1828800"/>
+            <a:ext cx="8229600" cy="1143000"/>
+          </a:xfrm>
+        </p:spPr>
+        <p:txBody>
+          <a:bodyPr/>
+          <a:lstStyle/>
+          <a:p>
+            <a:r>
+              <a:rPr lang="en-US" dirty="0" smtClean="0"/>
+              <a:t>Study their source code</a:t>
+            </a:r>
+            <a:endParaRPr lang="en-US" dirty="0"/>
+          </a:p>
+        </p:txBody>
+      </p:sp>
+    </p:spTree>
+    <p:extLst>
+      <p:ext uri="{BB962C8B-B14F-4D97-AF65-F5344CB8AC3E}">
+        <p14:creationId xmlns:p14="http://schemas.microsoft.com/office/powerpoint/2010/main" val="1466729831"/>
+      </p:ext>
+    </p:extLst>
+  </p:cSld>
+  <p:clrMapOvr>
+    <a:masterClrMapping/>
+  </p:clrMapOvr>
+  <p:timing>
+    <p:tnLst>
+      <p:par>
+        <p:cTn id="1" dur="indefinite" restart="never" nodeType="tmRoot"/>
+      </p:par>
+    </p:tnLst>
+  </p:timing>
+</p:sld>
+</file>
+
+<file path=ppt/slides/slide13.xml><?xml version="1.0" encoding="utf-8"?>
+<p:sld xmlns:a="http://schemas.openxmlformats.org/drawingml/2006/main" xmlns:r="http://schemas.openxmlformats.org/officeDocument/2006/relationships" xmlns:p="http://schemas.openxmlformats.org/presentationml/2006/main">
+  <p:cSld>
+    <p:spTree>
+      <p:nvGrpSpPr>
+        <p:cNvPr id="1" name=""/>
+        <p:cNvGrpSpPr/>
+        <p:nvPr/>
+      </p:nvGrpSpPr>
+      <p:grpSpPr>
+        <a:xfrm>
+          <a:off x="0" y="0"/>
+          <a:ext cx="0" cy="0"/>
+          <a:chOff x="0" y="0"/>
+          <a:chExt cx="0" cy="0"/>
+        </a:xfrm>
+      </p:grpSpPr>
+      <p:sp>
+        <p:nvSpPr>
+          <p:cNvPr id="2" name="Title 1"/>
+          <p:cNvSpPr>
+            <a:spLocks noGrp="1"/>
+          </p:cNvSpPr>
+          <p:nvPr>
+            <p:ph type="title"/>
+          </p:nvPr>
+        </p:nvSpPr>
+        <p:spPr>
+          <a:xfrm>
+            <a:off x="457200" y="2057400"/>
+            <a:ext cx="8229600" cy="1143000"/>
+          </a:xfrm>
+        </p:spPr>
+        <p:txBody>
+          <a:bodyPr>
+            <a:normAutofit fontScale="90000"/>
+          </a:bodyPr>
+          <a:lstStyle/>
+          <a:p>
+            <a:r>
+              <a:rPr lang="en-US" dirty="0" smtClean="0"/>
+              <a:t>Then, if you really want to be hardcore, build one </a:t>
+            </a:r>
+            <a:r>
+              <a:rPr lang="en-US" dirty="0" smtClean="0">
+                <a:sym typeface="Wingdings" pitchFamily="2" charset="2"/>
+              </a:rPr>
+              <a:t></a:t>
+            </a:r>
+            <a:endParaRPr lang="en-US" dirty="0"/>
+          </a:p>
+        </p:txBody>
+      </p:sp>
+    </p:spTree>
+    <p:extLst>
+      <p:ext uri="{BB962C8B-B14F-4D97-AF65-F5344CB8AC3E}">
+        <p14:creationId xmlns:p14="http://schemas.microsoft.com/office/powerpoint/2010/main" val="769234563"/>
+      </p:ext>
+    </p:extLst>
+  </p:cSld>
+  <p:clrMapOvr>
+    <a:masterClrMapping/>
+  </p:clrMapOvr>
+  <p:timing>
+    <p:tnLst>
+      <p:par>
+        <p:cTn id="1" dur="indefinite" restart="never" nodeType="tmRoot"/>
+      </p:par>
+    </p:tnLst>
+  </p:timing>
+</p:sld>
+</file>
+
+<file path=ppt/slides/slide14.xml><?xml version="1.0" encoding="utf-8"?>
+<p:sld xmlns:a="http://schemas.openxmlformats.org/drawingml/2006/main" xmlns:r="http://schemas.openxmlformats.org/officeDocument/2006/relationships" xmlns:p="http://schemas.openxmlformats.org/presentationml/2006/main">
+  <p:cSld>
+    <p:spTree>
+      <p:nvGrpSpPr>
+        <p:cNvPr id="1" name=""/>
+        <p:cNvGrpSpPr/>
+        <p:nvPr/>
+      </p:nvGrpSpPr>
+      <p:grpSpPr>
+        <a:xfrm>
+          <a:off x="0" y="0"/>
+          <a:ext cx="0" cy="0"/>
+          <a:chOff x="0" y="0"/>
+          <a:chExt cx="0" cy="0"/>
+        </a:xfrm>
+      </p:grpSpPr>
+      <p:sp>
+        <p:nvSpPr>
+          <p:cNvPr id="2" name="Title 1"/>
+          <p:cNvSpPr>
+            <a:spLocks noGrp="1"/>
+          </p:cNvSpPr>
+          <p:nvPr>
+            <p:ph type="title"/>
+          </p:nvPr>
+        </p:nvSpPr>
+        <p:spPr/>
+        <p:txBody>
+          <a:bodyPr/>
+          <a:lstStyle/>
+          <a:p>
+            <a:r>
+              <a:rPr lang="en-US" dirty="0" smtClean="0"/>
               <a:t>My </a:t>
             </a:r>
             <a:r>
@@ -4437,7 +4713,49 @@
             </a:pPr>
             <a:r>
               <a:rPr lang="en-US" dirty="0" smtClean="0"/>
-              <a:t>Web: http://ericsowell.com</a:t>
+              <a:t>Web: </a:t>
+            </a:r>
+            <a:r>
+              <a:rPr lang="en-US" dirty="0" smtClean="0">
+                <a:hlinkClick r:id="rId2"/>
+              </a:rPr>
+              <a:t>http://</a:t>
+            </a:r>
+            <a:r>
+              <a:rPr lang="en-US" dirty="0" smtClean="0">
+                <a:hlinkClick r:id="rId2"/>
+              </a:rPr>
+              <a:t>ericsowell.com</a:t>
+            </a:r>
+            <a:endParaRPr lang="en-US" dirty="0" smtClean="0"/>
+          </a:p>
+          <a:p>
+            <a:pPr marL="0" indent="0">
+              <a:buNone/>
+            </a:pPr>
+            <a:r>
+              <a:rPr lang="en-US" dirty="0">
+                <a:hlinkClick r:id="rId3"/>
+              </a:rPr>
+              <a:t>https://</a:t>
+            </a:r>
+            <a:r>
+              <a:rPr lang="en-US" dirty="0" smtClean="0">
+                <a:hlinkClick r:id="rId3"/>
+              </a:rPr>
+              <a:t>github.com/Mallioch/virtual-quiz-card</a:t>
+            </a:r>
+            <a:endParaRPr lang="en-US" dirty="0" smtClean="0"/>
+          </a:p>
+          <a:p>
+            <a:pPr marL="0" indent="0">
+              <a:buNone/>
+            </a:pPr>
+            <a:r>
+              <a:rPr lang="en-US">
+                <a:hlinkClick r:id="rId4"/>
+              </a:rPr>
+              <a:t>https://github.com/Mallioch/Presentations</a:t>
             </a:r>
             <a:endParaRPr lang="en-US" dirty="0"/>
           </a:p>
@@ -4523,7 +4841,7 @@
             <p:ph idx="1"/>
             <p:extLst>
               <p:ext uri="{D42A27DB-BD31-4B8C-83A1-F6EECF244321}">
-                <p14:modId xmlns:p14="http://schemas.microsoft.com/office/powerpoint/2010/main" val="3884183168"/>
+                <p14:modId xmlns:p14="http://schemas.microsoft.com/office/powerpoint/2010/main" val="2365782170"/>
               </p:ext>
             </p:extLst>
           </p:nvPr>
@@ -4594,8 +4912,8 @@
                     <a:p>
                       <a:pPr algn="ctr"/>
                       <a:r>
-                        <a:rPr lang="en-US" dirty="0" err="1" smtClean="0"/>
-                        <a:t>Sproutcore</a:t>
+                        <a:rPr lang="en-US" dirty="0" smtClean="0"/>
+                        <a:t>Ember</a:t>
                       </a:r>
                       <a:endParaRPr lang="en-US" dirty="0"/>
                     </a:p>
@@ -5443,7 +5761,7 @@
             <p:ph idx="1"/>
             <p:extLst>
               <p:ext uri="{D42A27DB-BD31-4B8C-83A1-F6EECF244321}">
-                <p14:modId xmlns:p14="http://schemas.microsoft.com/office/powerpoint/2010/main" val="3925997452"/>
+                <p14:modId xmlns:p14="http://schemas.microsoft.com/office/powerpoint/2010/main" val="1407000483"/>
               </p:ext>
             </p:extLst>
           </p:nvPr>
@@ -5528,7 +5846,7 @@
             <p:ph idx="1"/>
             <p:extLst>
               <p:ext uri="{D42A27DB-BD31-4B8C-83A1-F6EECF244321}">
-                <p14:modId xmlns:p14="http://schemas.microsoft.com/office/powerpoint/2010/main" val="1409996771"/>
+                <p14:modId xmlns:p14="http://schemas.microsoft.com/office/powerpoint/2010/main" val="3219973794"/>
               </p:ext>
             </p:extLst>
           </p:nvPr>
@@ -5590,19 +5908,49 @@
             <p:ph type="title"/>
           </p:nvPr>
         </p:nvSpPr>
-        <p:spPr>
-          <a:xfrm>
-            <a:off x="457200" y="1676400"/>
-            <a:ext cx="8229600" cy="1143000"/>
-          </a:xfrm>
-        </p:spPr>
+        <p:spPr/>
         <p:txBody>
           <a:bodyPr/>
           <a:lstStyle/>
           <a:p>
             <a:r>
               <a:rPr lang="en-US" dirty="0" smtClean="0"/>
-              <a:t>So Where Do You Go From Here?</a:t>
+              <a:t>And There Is More</a:t>
+            </a:r>
+            <a:endParaRPr lang="en-US" dirty="0"/>
+          </a:p>
+        </p:txBody>
+      </p:sp>
+      <p:sp>
+        <p:nvSpPr>
+          <p:cNvPr id="3" name="Content Placeholder 2"/>
+          <p:cNvSpPr>
+            <a:spLocks noGrp="1"/>
+          </p:cNvSpPr>
+          <p:nvPr>
+            <p:ph idx="1"/>
+          </p:nvPr>
+        </p:nvSpPr>
+        <p:spPr/>
+        <p:txBody>
+          <a:bodyPr/>
+          <a:lstStyle/>
+          <a:p>
+            <a:r>
+              <a:rPr lang="en-US" dirty="0" smtClean="0"/>
+              <a:t>Batman.js</a:t>
+            </a:r>
+          </a:p>
+          <a:p>
+            <a:r>
+              <a:rPr lang="en-US" dirty="0" smtClean="0"/>
+              <a:t>Angular.js</a:t>
+            </a:r>
+          </a:p>
+          <a:p>
+            <a:r>
+              <a:rPr lang="en-US" dirty="0" err="1" smtClean="0"/>
+              <a:t>Mamoo</a:t>
             </a:r>
             <a:endParaRPr lang="en-US" dirty="0"/>
           </a:p>
@@ -5611,20 +5959,13 @@
     </p:spTree>
     <p:extLst>
       <p:ext uri="{BB962C8B-B14F-4D97-AF65-F5344CB8AC3E}">
-        <p14:creationId xmlns:p14="http://schemas.microsoft.com/office/powerpoint/2010/main" val="1269275745"/>
+        <p14:creationId xmlns:p14="http://schemas.microsoft.com/office/powerpoint/2010/main" val="1011776374"/>
       </p:ext>
     </p:extLst>
   </p:cSld>
   <p:clrMapOvr>
     <a:masterClrMapping/>
   </p:clrMapOvr>
-  <p:timing>
-    <p:tnLst>
-      <p:par>
-        <p:cTn id="1" dur="indefinite" restart="never" nodeType="tmRoot"/>
-      </p:par>
-    </p:tnLst>
-  </p:timing>
 </p:sld>
 </file>
 
@@ -5657,7 +5998,7 @@
         </p:nvSpPr>
         <p:spPr>
           <a:xfrm>
-            <a:off x="457200" y="1828800"/>
+            <a:off x="457200" y="1676400"/>
             <a:ext cx="8229600" cy="1143000"/>
           </a:xfrm>
         </p:spPr>
@@ -5667,7 +6008,7 @@
           <a:p>
             <a:r>
               <a:rPr lang="en-US" dirty="0" smtClean="0"/>
-              <a:t>Try one or two</a:t>
+              <a:t>So Where Do You Go From Here?</a:t>
             </a:r>
             <a:endParaRPr lang="en-US" dirty="0"/>
           </a:p>
@@ -5676,7 +6017,7 @@
     </p:spTree>
     <p:extLst>
       <p:ext uri="{BB962C8B-B14F-4D97-AF65-F5344CB8AC3E}">
-        <p14:creationId xmlns:p14="http://schemas.microsoft.com/office/powerpoint/2010/main" val="412549066"/>
+        <p14:creationId xmlns:p14="http://schemas.microsoft.com/office/powerpoint/2010/main" val="1860289847"/>
       </p:ext>
     </p:extLst>
   </p:cSld>
@@ -5720,41 +6061,70 @@
             <p:ph type="title"/>
           </p:nvPr>
         </p:nvSpPr>
-        <p:spPr>
-          <a:xfrm>
-            <a:off x="457200" y="1828800"/>
-            <a:ext cx="8229600" cy="1143000"/>
-          </a:xfrm>
-        </p:spPr>
+        <p:spPr/>
         <p:txBody>
           <a:bodyPr/>
           <a:lstStyle/>
           <a:p>
             <a:r>
               <a:rPr lang="en-US" dirty="0" smtClean="0"/>
-              <a:t>Study their source code</a:t>
+              <a:t>Read This</a:t>
             </a:r>
             <a:endParaRPr lang="en-US" dirty="0"/>
           </a:p>
         </p:txBody>
       </p:sp>
+      <p:pic>
+        <p:nvPicPr>
+          <p:cNvPr id="2050" name="Picture 2" descr="http://www.kavoir.com/wp-content/uploads/2009/06/JavaScript-The-Good-Parts.jpg"/>
+          <p:cNvPicPr>
+            <a:picLocks noChangeAspect="1" noChangeArrowheads="1"/>
+          </p:cNvPicPr>
+          <p:nvPr/>
+        </p:nvPicPr>
+        <p:blipFill>
+          <a:blip r:embed="rId2">
+            <a:extLst>
+              <a:ext uri="{28A0092B-C50C-407E-A947-70E740481C1C}">
+                <a14:useLocalDpi xmlns:a14="http://schemas.microsoft.com/office/drawing/2010/main" val="0"/>
+              </a:ext>
+            </a:extLst>
+          </a:blip>
+          <a:srcRect/>
+          <a:stretch>
+            <a:fillRect/>
+          </a:stretch>
+        </p:blipFill>
+        <p:spPr bwMode="auto">
+          <a:xfrm>
+            <a:off x="2895600" y="1676400"/>
+            <a:ext cx="3657600" cy="4632960"/>
+          </a:xfrm>
+          <a:prstGeom prst="rect">
+            <a:avLst/>
+          </a:prstGeom>
+          <a:noFill/>
+          <a:extLst>
+            <a:ext uri="{909E8E84-426E-40DD-AFC4-6F175D3DCCD1}">
+              <a14:hiddenFill xmlns:a14="http://schemas.microsoft.com/office/drawing/2010/main">
+                <a:solidFill>
+                  <a:srgbClr val="FFFFFF"/>
+                </a:solidFill>
+              </a14:hiddenFill>
+            </a:ext>
+          </a:extLst>
+        </p:spPr>
+      </p:pic>
     </p:spTree>
     <p:extLst>
       <p:ext uri="{BB962C8B-B14F-4D97-AF65-F5344CB8AC3E}">
-        <p14:creationId xmlns:p14="http://schemas.microsoft.com/office/powerpoint/2010/main" val="1466729831"/>
+        <p14:creationId xmlns:p14="http://schemas.microsoft.com/office/powerpoint/2010/main" val="1766041911"/>
       </p:ext>
     </p:extLst>
   </p:cSld>
   <p:clrMapOvr>
     <a:masterClrMapping/>
   </p:clrMapOvr>
-  <p:timing>
-    <p:tnLst>
-      <p:par>
-        <p:cTn id="1" dur="indefinite" restart="never" nodeType="tmRoot"/>
-      </p:par>
-    </p:tnLst>
-  </p:timing>
 </p:sld>
 </file>
 
@@ -5785,49 +6155,70 @@
             <p:ph type="title"/>
           </p:nvPr>
         </p:nvSpPr>
-        <p:spPr>
+        <p:spPr/>
+        <p:txBody>
+          <a:bodyPr/>
+          <a:lstStyle/>
+          <a:p>
+            <a:r>
+              <a:rPr lang="en-US" dirty="0" smtClean="0"/>
+              <a:t>Read This</a:t>
+            </a:r>
+            <a:endParaRPr lang="en-US" dirty="0"/>
+          </a:p>
+        </p:txBody>
+      </p:sp>
+      <p:pic>
+        <p:nvPicPr>
+          <p:cNvPr id="1026" name="Picture 2" descr="http://media.svennerberg.com/2011/10/jwa.jpg"/>
+          <p:cNvPicPr>
+            <a:picLocks noChangeAspect="1" noChangeArrowheads="1"/>
+          </p:cNvPicPr>
+          <p:nvPr/>
+        </p:nvPicPr>
+        <p:blipFill>
+          <a:blip r:embed="rId2">
+            <a:extLst>
+              <a:ext uri="{28A0092B-C50C-407E-A947-70E740481C1C}">
+                <a14:useLocalDpi xmlns:a14="http://schemas.microsoft.com/office/drawing/2010/main" val="0"/>
+              </a:ext>
+            </a:extLst>
+          </a:blip>
+          <a:srcRect/>
+          <a:stretch>
+            <a:fillRect/>
+          </a:stretch>
+        </p:blipFill>
+        <p:spPr bwMode="auto">
           <a:xfrm>
-            <a:off x="457200" y="2057400"/>
-            <a:ext cx="8229600" cy="1143000"/>
+            <a:off x="2743200" y="1295400"/>
+            <a:ext cx="3629025" cy="4762500"/>
           </a:xfrm>
+          <a:prstGeom prst="rect">
+            <a:avLst/>
+          </a:prstGeom>
+          <a:noFill/>
+          <a:extLst>
+            <a:ext uri="{909E8E84-426E-40DD-AFC4-6F175D3DCCD1}">
+              <a14:hiddenFill xmlns:a14="http://schemas.microsoft.com/office/drawing/2010/main">
+                <a:solidFill>
+                  <a:srgbClr val="FFFFFF"/>
+                </a:solidFill>
+              </a14:hiddenFill>
+            </a:ext>
+          </a:extLst>
         </p:spPr>
-        <p:txBody>
-          <a:bodyPr>
-            <a:normAutofit fontScale="90000"/>
-          </a:bodyPr>
-          <a:lstStyle/>
-          <a:p>
-            <a:r>
-              <a:rPr lang="en-US" dirty="0" smtClean="0"/>
-              <a:t>Then, if you really want to be hardcore, build one </a:t>
-            </a:r>
-            <a:r>
-              <a:rPr lang="en-US" dirty="0" smtClean="0">
-                <a:sym typeface="Wingdings" pitchFamily="2" charset="2"/>
-              </a:rPr>
-              <a:t></a:t>
-            </a:r>
-            <a:endParaRPr lang="en-US" dirty="0"/>
-          </a:p>
-        </p:txBody>
-      </p:sp>
+      </p:pic>
     </p:spTree>
     <p:extLst>
       <p:ext uri="{BB962C8B-B14F-4D97-AF65-F5344CB8AC3E}">
-        <p14:creationId xmlns:p14="http://schemas.microsoft.com/office/powerpoint/2010/main" val="769234563"/>
+        <p14:creationId xmlns:p14="http://schemas.microsoft.com/office/powerpoint/2010/main" val="4064455832"/>
       </p:ext>
     </p:extLst>
   </p:cSld>
   <p:clrMapOvr>
     <a:masterClrMapping/>
   </p:clrMapOvr>
-  <p:timing>
-    <p:tnLst>
-      <p:par>
-        <p:cTn id="1" dur="indefinite" restart="never" nodeType="tmRoot"/>
-      </p:par>
-    </p:tnLst>
-  </p:timing>
 </p:sld>
 </file>
 
